--- a/InsightVault.pptx
+++ b/InsightVault.pptx
@@ -116,6 +116,11 @@
       </a:defRPr>
     </a:lvl9pPr>
   </p:defaultTextStyle>
+  <p:extLst>
+    <p:ext uri="{EFAFB233-063F-42B5-8137-9DF3F51BA10A}">
+      <p15:sldGuideLst xmlns:p15="http://schemas.microsoft.com/office/powerpoint/2012/main"/>
+    </p:ext>
+  </p:extLst>
 </p:presentation>
 </file>
 
@@ -23186,7 +23191,7 @@
           <a:p>
             <a:fld id="{2105361C-1DB4-4432-8FB0-6E82A391FA38}" type="datetimeFigureOut">
               <a:rPr lang="ca-ES" smtClean="0"/>
-              <a:t>7/11/2024</a:t>
+              <a:t>8/11/2024</a:t>
             </a:fld>
             <a:endParaRPr lang="ca-ES"/>
           </a:p>
@@ -28349,6 +28354,99 @@
           </a:p>
         </p:txBody>
       </p:sp>
+      <p:sp>
+        <p:nvSpPr>
+          <p:cNvPr id="3" name="TextBox 2">
+            <a:extLst>
+              <a:ext uri="{FF2B5EF4-FFF2-40B4-BE49-F238E27FC236}">
+                <a16:creationId xmlns:a16="http://schemas.microsoft.com/office/drawing/2014/main" id="{21D40147-717F-40C2-2DBB-69BE51FF2013}"/>
+              </a:ext>
+            </a:extLst>
+          </p:cNvPr>
+          <p:cNvSpPr txBox="1"/>
+          <p:nvPr/>
+        </p:nvSpPr>
+        <p:spPr>
+          <a:xfrm>
+            <a:off x="300728" y="4226747"/>
+            <a:ext cx="6770914" cy="1908215"/>
+          </a:xfrm>
+          <a:prstGeom prst="rect">
+            <a:avLst/>
+          </a:prstGeom>
+          <a:solidFill>
+            <a:schemeClr val="bg1"/>
+          </a:solidFill>
+        </p:spPr>
+        <p:txBody>
+          <a:bodyPr wrap="square" rtlCol="0">
+            <a:spAutoFit/>
+          </a:bodyPr>
+          <a:lstStyle/>
+          <a:p>
+            <a:r>
+              <a:rPr lang="en-US" b="1" dirty="0"/>
+              <a:t>Wasted time </a:t>
+            </a:r>
+            <a:r>
+              <a:rPr lang="en-US" dirty="0"/>
+              <a:t>searching in intranet by workers:</a:t>
+            </a:r>
+          </a:p>
+          <a:p>
+            <a:r>
+              <a:rPr lang="en-US" dirty="0"/>
+              <a:t>			</a:t>
+            </a:r>
+            <a:r>
+              <a:rPr lang="en-US" sz="2000" b="1" dirty="0"/>
+              <a:t>1.8 hours to 3.6 hours daily</a:t>
+            </a:r>
+          </a:p>
+          <a:p>
+            <a:r>
+              <a:rPr lang="en-US" sz="2000" dirty="0"/>
+              <a:t>			</a:t>
+            </a:r>
+            <a:r>
+              <a:rPr lang="en-US" sz="2000" b="1" dirty="0"/>
+              <a:t>468 hours to 936 hours  yearly</a:t>
+            </a:r>
+          </a:p>
+          <a:p>
+            <a:endParaRPr lang="en-US" sz="2000" b="1" dirty="0"/>
+          </a:p>
+          <a:p>
+            <a:r>
+              <a:rPr lang="en-US" sz="2000" b="1" dirty="0"/>
+              <a:t>Cost per employee </a:t>
+            </a:r>
+            <a:r>
+              <a:rPr lang="en-US" sz="2000" dirty="0"/>
+              <a:t>for the company</a:t>
+            </a:r>
+            <a:r>
+              <a:rPr lang="en-US" sz="2000" b="1" dirty="0"/>
+              <a:t>:</a:t>
+            </a:r>
+          </a:p>
+          <a:p>
+            <a:r>
+              <a:rPr lang="en-US" sz="2000" b="1" dirty="0"/>
+              <a:t>			$11,700 to </a:t>
+            </a:r>
+            <a:r>
+              <a:rPr lang="ca-ES" sz="2000" b="1" dirty="0"/>
+              <a:t>$23,400 </a:t>
+            </a:r>
+            <a:r>
+              <a:rPr lang="en-US" sz="2000" b="1" dirty="0"/>
+              <a:t>employee/annually</a:t>
+            </a:r>
+            <a:endParaRPr lang="ca-ES" b="1" dirty="0"/>
+          </a:p>
+        </p:txBody>
+      </p:sp>
     </p:spTree>
     <p:extLst>
       <p:ext uri="{BB962C8B-B14F-4D97-AF65-F5344CB8AC3E}">
@@ -28545,7 +28643,7 @@
                             </p:stCondLst>
                             <p:childTnLst>
                               <p:par>
-                                <p:cTn id="18" presetID="10" presetClass="entr" presetSubtype="0" fill="hold" nodeType="clickEffect">
+                                <p:cTn id="18" presetID="10" presetClass="entr" presetSubtype="0" fill="hold" grpId="0" nodeType="clickEffect">
                                   <p:stCondLst>
                                     <p:cond delay="0"/>
                                   </p:stCondLst>
@@ -28553,6 +28651,59 @@
                                     <p:set>
                                       <p:cBhvr>
                                         <p:cTn id="19" dur="1" fill="hold">
+                                          <p:stCondLst>
+                                            <p:cond delay="0"/>
+                                          </p:stCondLst>
+                                        </p:cTn>
+                                        <p:tgtEl>
+                                          <p:spTgt spid="3"/>
+                                        </p:tgtEl>
+                                        <p:attrNameLst>
+                                          <p:attrName>style.visibility</p:attrName>
+                                        </p:attrNameLst>
+                                      </p:cBhvr>
+                                      <p:to>
+                                        <p:strVal val="visible"/>
+                                      </p:to>
+                                    </p:set>
+                                    <p:animEffect transition="in" filter="fade">
+                                      <p:cBhvr>
+                                        <p:cTn id="20" dur="500"/>
+                                        <p:tgtEl>
+                                          <p:spTgt spid="3"/>
+                                        </p:tgtEl>
+                                      </p:cBhvr>
+                                    </p:animEffect>
+                                  </p:childTnLst>
+                                </p:cTn>
+                              </p:par>
+                            </p:childTnLst>
+                          </p:cTn>
+                        </p:par>
+                      </p:childTnLst>
+                    </p:cTn>
+                  </p:par>
+                  <p:par>
+                    <p:cTn id="21" fill="hold">
+                      <p:stCondLst>
+                        <p:cond delay="indefinite"/>
+                      </p:stCondLst>
+                      <p:childTnLst>
+                        <p:par>
+                          <p:cTn id="22" fill="hold">
+                            <p:stCondLst>
+                              <p:cond delay="0"/>
+                            </p:stCondLst>
+                            <p:childTnLst>
+                              <p:par>
+                                <p:cTn id="23" presetID="10" presetClass="entr" presetSubtype="0" fill="hold" nodeType="clickEffect">
+                                  <p:stCondLst>
+                                    <p:cond delay="0"/>
+                                  </p:stCondLst>
+                                  <p:childTnLst>
+                                    <p:set>
+                                      <p:cBhvr>
+                                        <p:cTn id="24" dur="1" fill="hold">
                                           <p:stCondLst>
                                             <p:cond delay="0"/>
                                           </p:stCondLst>
@@ -28574,7 +28725,7 @@
                                     </p:set>
                                     <p:animEffect transition="in" filter="fade">
                                       <p:cBhvr>
-                                        <p:cTn id="20" dur="500"/>
+                                        <p:cTn id="25" dur="500"/>
                                         <p:tgtEl>
                                           <p:spTgt spid="6">
                                             <p:txEl>
@@ -28588,14 +28739,14 @@
                                 </p:cTn>
                               </p:par>
                               <p:par>
-                                <p:cTn id="21" presetID="10" presetClass="entr" presetSubtype="0" fill="hold" nodeType="withEffect">
+                                <p:cTn id="26" presetID="10" presetClass="entr" presetSubtype="0" fill="hold" nodeType="withEffect">
                                   <p:stCondLst>
                                     <p:cond delay="0"/>
                                   </p:stCondLst>
                                   <p:childTnLst>
                                     <p:set>
                                       <p:cBhvr>
-                                        <p:cTn id="22" dur="1" fill="hold">
+                                        <p:cTn id="27" dur="1" fill="hold">
                                           <p:stCondLst>
                                             <p:cond delay="0"/>
                                           </p:stCondLst>
@@ -28617,7 +28768,7 @@
                                     </p:set>
                                     <p:animEffect transition="in" filter="fade">
                                       <p:cBhvr>
-                                        <p:cTn id="23" dur="500"/>
+                                        <p:cTn id="28" dur="500"/>
                                         <p:tgtEl>
                                           <p:spTgt spid="6">
                                             <p:txEl>
@@ -28627,6 +28778,33 @@
                                         </p:tgtEl>
                                       </p:cBhvr>
                                     </p:animEffect>
+                                  </p:childTnLst>
+                                </p:cTn>
+                              </p:par>
+                              <p:par>
+                                <p:cTn id="29" presetID="1" presetClass="exit" presetSubtype="0" fill="hold" grpId="1" nodeType="withEffect">
+                                  <p:stCondLst>
+                                    <p:cond delay="0"/>
+                                  </p:stCondLst>
+                                  <p:childTnLst>
+                                    <p:set>
+                                      <p:cBhvr>
+                                        <p:cTn id="30" dur="1" fill="hold">
+                                          <p:stCondLst>
+                                            <p:cond delay="0"/>
+                                          </p:stCondLst>
+                                        </p:cTn>
+                                        <p:tgtEl>
+                                          <p:spTgt spid="3"/>
+                                        </p:tgtEl>
+                                        <p:attrNameLst>
+                                          <p:attrName>style.visibility</p:attrName>
+                                        </p:attrNameLst>
+                                      </p:cBhvr>
+                                      <p:to>
+                                        <p:strVal val="hidden"/>
+                                      </p:to>
+                                    </p:set>
                                   </p:childTnLst>
                                 </p:cTn>
                               </p:par>
@@ -28657,6 +28835,10 @@
         </p:cTn>
       </p:par>
     </p:tnLst>
+    <p:bldLst>
+      <p:bldP spid="3" grpId="0" animBg="1"/>
+      <p:bldP spid="3" grpId="1" animBg="1"/>
+    </p:bldLst>
   </p:timing>
 </p:sld>
 </file>
